--- a/penultimate_short_presentation.pptx
+++ b/penultimate_short_presentation.pptx
@@ -307,7 +307,7 @@
           <a:p>
             <a:fld id="{C43A76A3-ADC8-4477-8FC1-B9DD55D84908}" type="datetime1">
               <a:rPr lang="en-US" smtClean="0"/>
-              <a:t>5/10/2023</a:t>
+              <a:t>5/11/2023</a:t>
             </a:fld>
             <a:endParaRPr lang="en-US" dirty="0"/>
           </a:p>
@@ -505,7 +505,7 @@
           <a:p>
             <a:fld id="{D6762538-DC4D-4667-96E5-B3278DDF8B12}" type="datetime1">
               <a:rPr lang="en-US" smtClean="0"/>
-              <a:t>5/10/2023</a:t>
+              <a:t>5/11/2023</a:t>
             </a:fld>
             <a:endParaRPr lang="en-US"/>
           </a:p>
@@ -713,7 +713,7 @@
           <a:p>
             <a:fld id="{05880548-5C08-4BE3-B63E-F2BB63B0B00C}" type="datetime1">
               <a:rPr lang="en-US" smtClean="0"/>
-              <a:t>5/10/2023</a:t>
+              <a:t>5/11/2023</a:t>
             </a:fld>
             <a:endParaRPr lang="en-US"/>
           </a:p>
@@ -911,7 +911,7 @@
           <a:p>
             <a:fld id="{DE7F49BE-398D-479A-8A7E-5DDBCA61EDCB}" type="datetime1">
               <a:rPr lang="en-US" smtClean="0"/>
-              <a:t>5/10/2023</a:t>
+              <a:t>5/11/2023</a:t>
             </a:fld>
             <a:endParaRPr lang="en-US"/>
           </a:p>
@@ -1187,7 +1187,7 @@
           <a:p>
             <a:fld id="{CCD0C193-4974-4A1F-9C63-07D595E30D66}" type="datetime1">
               <a:rPr lang="en-US" smtClean="0"/>
-              <a:t>5/10/2023</a:t>
+              <a:t>5/11/2023</a:t>
             </a:fld>
             <a:endParaRPr lang="en-US"/>
           </a:p>
@@ -1454,7 +1454,7 @@
           <a:p>
             <a:fld id="{701AA87F-28D4-4BF0-B81F-877A89DFD5AC}" type="datetime1">
               <a:rPr lang="en-US" smtClean="0"/>
-              <a:t>5/10/2023</a:t>
+              <a:t>5/11/2023</a:t>
             </a:fld>
             <a:endParaRPr lang="en-US"/>
           </a:p>
@@ -1868,7 +1868,7 @@
           <a:p>
             <a:fld id="{A8A9F1F3-208B-49A3-B337-9C8ACEB3E0E1}" type="datetime1">
               <a:rPr lang="en-US" smtClean="0"/>
-              <a:t>5/10/2023</a:t>
+              <a:t>5/11/2023</a:t>
             </a:fld>
             <a:endParaRPr lang="en-US"/>
           </a:p>
@@ -2015,7 +2015,7 @@
           <a:p>
             <a:fld id="{27AF6CA6-7293-4AA2-A0E0-A3BF4416E786}" type="datetime1">
               <a:rPr lang="en-US" smtClean="0"/>
-              <a:t>5/10/2023</a:t>
+              <a:t>5/11/2023</a:t>
             </a:fld>
             <a:endParaRPr lang="en-US"/>
           </a:p>
@@ -2128,7 +2128,7 @@
           <a:p>
             <a:fld id="{98D87016-7BCD-46FB-8EE3-AB6C369108B4}" type="datetime1">
               <a:rPr lang="en-US" smtClean="0"/>
-              <a:t>5/10/2023</a:t>
+              <a:t>5/11/2023</a:t>
             </a:fld>
             <a:endParaRPr lang="en-US"/>
           </a:p>
@@ -2447,7 +2447,7 @@
           <a:p>
             <a:fld id="{A1547011-1FFC-4EF8-9A2E-53B4AD2ADBD4}" type="datetime1">
               <a:rPr lang="en-US" smtClean="0"/>
-              <a:t>5/10/2023</a:t>
+              <a:t>5/11/2023</a:t>
             </a:fld>
             <a:endParaRPr lang="en-US"/>
           </a:p>
@@ -2742,7 +2742,7 @@
           <a:p>
             <a:fld id="{9562EB47-45B4-4EF5-A743-B4885DD2F060}" type="datetime1">
               <a:rPr lang="en-US" smtClean="0"/>
-              <a:t>5/10/2023</a:t>
+              <a:t>5/11/2023</a:t>
             </a:fld>
             <a:endParaRPr lang="en-US"/>
           </a:p>
@@ -4127,7 +4127,7 @@
           <a:p>
             <a:fld id="{4A8D24A4-5FEC-4062-8995-EB21925B3B40}" type="datetime1">
               <a:rPr lang="en-US" smtClean="0"/>
-              <a:t>5/10/2023</a:t>
+              <a:t>5/11/2023</a:t>
             </a:fld>
             <a:endParaRPr lang="en-US" sz="1000" dirty="0"/>
           </a:p>
@@ -6852,8 +6852,8 @@
         </p:nvSpPr>
         <p:spPr>
           <a:xfrm>
-            <a:off x="1444305" y="2250760"/>
-            <a:ext cx="4512358" cy="1323439"/>
+            <a:off x="1419233" y="2261815"/>
+            <a:ext cx="4512358" cy="4801314"/>
           </a:xfrm>
           <a:prstGeom prst="rect">
             <a:avLst/>
@@ -6872,21 +6872,126 @@
           <a:lstStyle/>
           <a:p>
             <a:r>
-              <a:rPr lang="de-DE" sz="2600" b="1" u="sng" dirty="0" err="1">
-                <a:solidFill>
-                  <a:schemeClr val="bg1"/>
-                </a:solidFill>
-              </a:rPr>
-              <a:t>Introduction</a:t>
-            </a:r>
-            <a:r>
               <a:rPr lang="de-DE" sz="2600" b="1" u="sng" dirty="0">
                 <a:solidFill>
                   <a:schemeClr val="bg1"/>
                 </a:solidFill>
               </a:rPr>
-              <a:t>:</a:t>
+              <a:t>Introduction:</a:t>
             </a:r>
+            <a:endParaRPr lang="en-DE" sz="2600" b="1" u="sng" dirty="0">
+              <a:solidFill>
+                <a:schemeClr val="bg1"/>
+              </a:solidFill>
+            </a:endParaRPr>
+          </a:p>
+          <a:p>
+            <a:endParaRPr lang="en-DE" sz="2600" b="1" u="sng" dirty="0">
+              <a:solidFill>
+                <a:schemeClr val="bg1"/>
+              </a:solidFill>
+            </a:endParaRPr>
+          </a:p>
+          <a:p>
+            <a:pPr marL="342900" indent="-342900">
+              <a:buFont typeface="Arial" panose="020B0604020202020204" pitchFamily="34" charset="0"/>
+              <a:buChar char="•"/>
+            </a:pPr>
+            <a:r>
+              <a:rPr lang="en-DE" sz="2000" dirty="0">
+                <a:solidFill>
+                  <a:schemeClr val="bg1"/>
+                </a:solidFill>
+              </a:rPr>
+              <a:t>Impact of stringency on happiness</a:t>
+            </a:r>
+          </a:p>
+          <a:p>
+            <a:pPr marL="342900" indent="-342900">
+              <a:buFont typeface="Arial" panose="020B0604020202020204" pitchFamily="34" charset="0"/>
+              <a:buChar char="•"/>
+            </a:pPr>
+            <a:endParaRPr lang="en-DE" sz="2000" dirty="0">
+              <a:solidFill>
+                <a:schemeClr val="bg1"/>
+              </a:solidFill>
+            </a:endParaRPr>
+          </a:p>
+          <a:p>
+            <a:pPr marL="342900" indent="-342900">
+              <a:buFont typeface="Arial" panose="020B0604020202020204" pitchFamily="34" charset="0"/>
+              <a:buChar char="•"/>
+            </a:pPr>
+            <a:r>
+              <a:rPr lang="en-DE" sz="2000" dirty="0">
+                <a:solidFill>
+                  <a:schemeClr val="bg1"/>
+                </a:solidFill>
+              </a:rPr>
+              <a:t>Happiness as an indicator for population mental health and satisfaction</a:t>
+            </a:r>
+          </a:p>
+          <a:p>
+            <a:pPr marL="342900" indent="-342900">
+              <a:buFont typeface="Arial" panose="020B0604020202020204" pitchFamily="34" charset="0"/>
+              <a:buChar char="•"/>
+            </a:pPr>
+            <a:endParaRPr lang="en-DE" sz="2000" dirty="0">
+              <a:solidFill>
+                <a:schemeClr val="bg1"/>
+              </a:solidFill>
+            </a:endParaRPr>
+          </a:p>
+          <a:p>
+            <a:pPr marL="342900" indent="-342900">
+              <a:buFont typeface="Arial" panose="020B0604020202020204" pitchFamily="34" charset="0"/>
+              <a:buChar char="•"/>
+            </a:pPr>
+            <a:r>
+              <a:rPr lang="en-US" sz="2000" dirty="0">
+                <a:solidFill>
+                  <a:schemeClr val="bg1"/>
+                </a:solidFill>
+              </a:rPr>
+              <a:t>T</a:t>
+            </a:r>
+            <a:r>
+              <a:rPr lang="en-DE" sz="2000" dirty="0">
+                <a:solidFill>
+                  <a:schemeClr val="bg1"/>
+                </a:solidFill>
+              </a:rPr>
+              <a:t>o increase pandemic-preparedness</a:t>
+            </a:r>
+          </a:p>
+          <a:p>
+            <a:pPr marL="342900" indent="-342900">
+              <a:buFont typeface="Arial" panose="020B0604020202020204" pitchFamily="34" charset="0"/>
+              <a:buChar char="•"/>
+            </a:pPr>
+            <a:endParaRPr lang="en-DE" sz="2000" dirty="0">
+              <a:solidFill>
+                <a:schemeClr val="bg1"/>
+              </a:solidFill>
+            </a:endParaRPr>
+          </a:p>
+          <a:p>
+            <a:pPr marL="342900" indent="-342900">
+              <a:buFont typeface="Arial" panose="020B0604020202020204" pitchFamily="34" charset="0"/>
+              <a:buChar char="•"/>
+            </a:pPr>
+            <a:endParaRPr lang="en-DE" sz="2000" b="1" u="sng" dirty="0">
+              <a:solidFill>
+                <a:schemeClr val="bg1"/>
+              </a:solidFill>
+            </a:endParaRPr>
+          </a:p>
+          <a:p>
+            <a:endParaRPr lang="de-DE" sz="2000" b="1" u="sng" dirty="0">
+              <a:solidFill>
+                <a:schemeClr val="bg1"/>
+              </a:solidFill>
+            </a:endParaRPr>
           </a:p>
           <a:p>
             <a:endParaRPr lang="de-DE" dirty="0">

--- a/penultimate_short_presentation.pptx
+++ b/penultimate_short_presentation.pptx
@@ -126,10 +126,33 @@
   <pc:docChgLst>
     <pc:chgData name="Benjamin Strusch" userId="d4ceea4940c51958" providerId="LiveId" clId="{83BA4BC6-C1AE-4838-B209-B7BA7FA56064}"/>
     <pc:docChg chg="modSld">
-      <pc:chgData name="Benjamin Strusch" userId="d4ceea4940c51958" providerId="LiveId" clId="{83BA4BC6-C1AE-4838-B209-B7BA7FA56064}" dt="2023-05-10T14:48:58.204" v="1"/>
+      <pc:chgData name="Benjamin Strusch" userId="d4ceea4940c51958" providerId="LiveId" clId="{83BA4BC6-C1AE-4838-B209-B7BA7FA56064}" dt="2023-05-12T05:53:34.002" v="147" actId="20577"/>
       <pc:docMkLst>
         <pc:docMk/>
       </pc:docMkLst>
+      <pc:sldChg chg="modSp mod">
+        <pc:chgData name="Benjamin Strusch" userId="d4ceea4940c51958" providerId="LiveId" clId="{83BA4BC6-C1AE-4838-B209-B7BA7FA56064}" dt="2023-05-12T05:53:34.002" v="147" actId="20577"/>
+        <pc:sldMkLst>
+          <pc:docMk/>
+          <pc:sldMk cId="2935685482" sldId="256"/>
+        </pc:sldMkLst>
+        <pc:spChg chg="mod">
+          <ac:chgData name="Benjamin Strusch" userId="d4ceea4940c51958" providerId="LiveId" clId="{83BA4BC6-C1AE-4838-B209-B7BA7FA56064}" dt="2023-05-12T05:52:44.946" v="113" actId="14100"/>
+          <ac:spMkLst>
+            <pc:docMk/>
+            <pc:sldMk cId="2935685482" sldId="256"/>
+            <ac:spMk id="5" creationId="{BEADE34C-D7A9-A127-FC7D-44CB167703F6}"/>
+          </ac:spMkLst>
+        </pc:spChg>
+        <pc:spChg chg="mod">
+          <ac:chgData name="Benjamin Strusch" userId="d4ceea4940c51958" providerId="LiveId" clId="{83BA4BC6-C1AE-4838-B209-B7BA7FA56064}" dt="2023-05-12T05:53:34.002" v="147" actId="20577"/>
+          <ac:spMkLst>
+            <pc:docMk/>
+            <pc:sldMk cId="2935685482" sldId="256"/>
+            <ac:spMk id="7" creationId="{64F6199D-DDB1-536C-072E-FDED513B5D1A}"/>
+          </ac:spMkLst>
+        </pc:spChg>
+      </pc:sldChg>
       <pc:sldChg chg="addSp delSp">
         <pc:chgData name="Benjamin Strusch" userId="d4ceea4940c51958" providerId="LiveId" clId="{83BA4BC6-C1AE-4838-B209-B7BA7FA56064}" dt="2023-05-10T14:48:58.204" v="1"/>
         <pc:sldMkLst>
@@ -307,7 +330,7 @@
           <a:p>
             <a:fld id="{C43A76A3-ADC8-4477-8FC1-B9DD55D84908}" type="datetime1">
               <a:rPr lang="en-US" smtClean="0"/>
-              <a:t>5/11/2023</a:t>
+              <a:t>5/12/2023</a:t>
             </a:fld>
             <a:endParaRPr lang="en-US" dirty="0"/>
           </a:p>
@@ -505,7 +528,7 @@
           <a:p>
             <a:fld id="{D6762538-DC4D-4667-96E5-B3278DDF8B12}" type="datetime1">
               <a:rPr lang="en-US" smtClean="0"/>
-              <a:t>5/11/2023</a:t>
+              <a:t>5/12/2023</a:t>
             </a:fld>
             <a:endParaRPr lang="en-US"/>
           </a:p>
@@ -713,7 +736,7 @@
           <a:p>
             <a:fld id="{05880548-5C08-4BE3-B63E-F2BB63B0B00C}" type="datetime1">
               <a:rPr lang="en-US" smtClean="0"/>
-              <a:t>5/11/2023</a:t>
+              <a:t>5/12/2023</a:t>
             </a:fld>
             <a:endParaRPr lang="en-US"/>
           </a:p>
@@ -911,7 +934,7 @@
           <a:p>
             <a:fld id="{DE7F49BE-398D-479A-8A7E-5DDBCA61EDCB}" type="datetime1">
               <a:rPr lang="en-US" smtClean="0"/>
-              <a:t>5/11/2023</a:t>
+              <a:t>5/12/2023</a:t>
             </a:fld>
             <a:endParaRPr lang="en-US"/>
           </a:p>
@@ -1187,7 +1210,7 @@
           <a:p>
             <a:fld id="{CCD0C193-4974-4A1F-9C63-07D595E30D66}" type="datetime1">
               <a:rPr lang="en-US" smtClean="0"/>
-              <a:t>5/11/2023</a:t>
+              <a:t>5/12/2023</a:t>
             </a:fld>
             <a:endParaRPr lang="en-US"/>
           </a:p>
@@ -1454,7 +1477,7 @@
           <a:p>
             <a:fld id="{701AA87F-28D4-4BF0-B81F-877A89DFD5AC}" type="datetime1">
               <a:rPr lang="en-US" smtClean="0"/>
-              <a:t>5/11/2023</a:t>
+              <a:t>5/12/2023</a:t>
             </a:fld>
             <a:endParaRPr lang="en-US"/>
           </a:p>
@@ -1868,7 +1891,7 @@
           <a:p>
             <a:fld id="{A8A9F1F3-208B-49A3-B337-9C8ACEB3E0E1}" type="datetime1">
               <a:rPr lang="en-US" smtClean="0"/>
-              <a:t>5/11/2023</a:t>
+              <a:t>5/12/2023</a:t>
             </a:fld>
             <a:endParaRPr lang="en-US"/>
           </a:p>
@@ -2015,7 +2038,7 @@
           <a:p>
             <a:fld id="{27AF6CA6-7293-4AA2-A0E0-A3BF4416E786}" type="datetime1">
               <a:rPr lang="en-US" smtClean="0"/>
-              <a:t>5/11/2023</a:t>
+              <a:t>5/12/2023</a:t>
             </a:fld>
             <a:endParaRPr lang="en-US"/>
           </a:p>
@@ -2128,7 +2151,7 @@
           <a:p>
             <a:fld id="{98D87016-7BCD-46FB-8EE3-AB6C369108B4}" type="datetime1">
               <a:rPr lang="en-US" smtClean="0"/>
-              <a:t>5/11/2023</a:t>
+              <a:t>5/12/2023</a:t>
             </a:fld>
             <a:endParaRPr lang="en-US"/>
           </a:p>
@@ -2447,7 +2470,7 @@
           <a:p>
             <a:fld id="{A1547011-1FFC-4EF8-9A2E-53B4AD2ADBD4}" type="datetime1">
               <a:rPr lang="en-US" smtClean="0"/>
-              <a:t>5/11/2023</a:t>
+              <a:t>5/12/2023</a:t>
             </a:fld>
             <a:endParaRPr lang="en-US"/>
           </a:p>
@@ -2742,7 +2765,7 @@
           <a:p>
             <a:fld id="{9562EB47-45B4-4EF5-A743-B4885DD2F060}" type="datetime1">
               <a:rPr lang="en-US" smtClean="0"/>
-              <a:t>5/11/2023</a:t>
+              <a:t>5/12/2023</a:t>
             </a:fld>
             <a:endParaRPr lang="en-US"/>
           </a:p>
@@ -4127,7 +4150,7 @@
           <a:p>
             <a:fld id="{4A8D24A4-5FEC-4062-8995-EB21925B3B40}" type="datetime1">
               <a:rPr lang="en-US" smtClean="0"/>
-              <a:t>5/11/2023</a:t>
+              <a:t>5/12/2023</a:t>
             </a:fld>
             <a:endParaRPr lang="en-US" sz="1000" dirty="0"/>
           </a:p>
@@ -6853,16 +6876,14 @@
         <p:spPr>
           <a:xfrm>
             <a:off x="1419233" y="2261815"/>
-            <a:ext cx="4512358" cy="4801314"/>
+            <a:ext cx="4301083" cy="3631763"/>
           </a:xfrm>
           <a:prstGeom prst="rect">
             <a:avLst/>
           </a:prstGeom>
           <a:noFill/>
           <a:ln>
-            <a:solidFill>
-              <a:schemeClr val="bg1"/>
-            </a:solidFill>
+            <a:noFill/>
           </a:ln>
         </p:spPr>
         <p:txBody>
@@ -6976,42 +6997,6 @@
             </a:endParaRPr>
           </a:p>
           <a:p>
-            <a:pPr marL="342900" indent="-342900">
-              <a:buFont typeface="Arial" panose="020B0604020202020204" pitchFamily="34" charset="0"/>
-              <a:buChar char="•"/>
-            </a:pPr>
-            <a:endParaRPr lang="en-DE" sz="2000" b="1" u="sng" dirty="0">
-              <a:solidFill>
-                <a:schemeClr val="bg1"/>
-              </a:solidFill>
-            </a:endParaRPr>
-          </a:p>
-          <a:p>
-            <a:endParaRPr lang="de-DE" sz="2000" b="1" u="sng" dirty="0">
-              <a:solidFill>
-                <a:schemeClr val="bg1"/>
-              </a:solidFill>
-            </a:endParaRPr>
-          </a:p>
-          <a:p>
-            <a:endParaRPr lang="de-DE" dirty="0">
-              <a:solidFill>
-                <a:schemeClr val="bg1"/>
-              </a:solidFill>
-            </a:endParaRPr>
-          </a:p>
-          <a:p>
-            <a:pPr marL="285750" indent="-285750">
-              <a:buFont typeface="Arial" panose="020B0604020202020204" pitchFamily="34" charset="0"/>
-              <a:buChar char="•"/>
-            </a:pPr>
-            <a:endParaRPr lang="de-DE" dirty="0">
-              <a:solidFill>
-                <a:schemeClr val="bg1"/>
-              </a:solidFill>
-            </a:endParaRPr>
-          </a:p>
-          <a:p>
             <a:endParaRPr lang="en-GB" dirty="0">
               <a:solidFill>
                 <a:schemeClr val="bg1"/>
@@ -7034,17 +7019,15 @@
         </p:nvSpPr>
         <p:spPr>
           <a:xfrm>
-            <a:off x="5967927" y="2261815"/>
-            <a:ext cx="4932594" cy="3539430"/>
+            <a:off x="6225363" y="2261815"/>
+            <a:ext cx="4675158" cy="3231654"/>
           </a:xfrm>
           <a:prstGeom prst="rect">
             <a:avLst/>
           </a:prstGeom>
           <a:noFill/>
           <a:ln>
-            <a:solidFill>
-              <a:schemeClr val="bg1"/>
-            </a:solidFill>
+            <a:noFill/>
           </a:ln>
         </p:spPr>
         <p:txBody>
@@ -7080,7 +7063,7 @@
                   <a:schemeClr val="bg1"/>
                 </a:solidFill>
               </a:rPr>
-              <a:t>Finding adequate data to address question</a:t>
+              <a:t>adequate data to address question</a:t>
             </a:r>
           </a:p>
           <a:p>
@@ -7094,7 +7077,21 @@
                   <a:schemeClr val="bg1"/>
                 </a:solidFill>
               </a:rPr>
-              <a:t>Focus on sources &amp; usability</a:t>
+              <a:t>Outcome: Happiness</a:t>
+            </a:r>
+          </a:p>
+          <a:p>
+            <a:pPr marL="742950" lvl="1" indent="-285750">
+              <a:buFont typeface="Arial" panose="020B0604020202020204" pitchFamily="34" charset="0"/>
+              <a:buChar char="•"/>
+            </a:pPr>
+            <a:r>
+              <a:rPr lang="en-GB" sz="2000" dirty="0">
+                <a:solidFill>
+                  <a:schemeClr val="bg1"/>
+                </a:solidFill>
+              </a:rPr>
+              <a:t>Predictor: Stringency</a:t>
             </a:r>
           </a:p>
           <a:p>
@@ -7127,6 +7124,20 @@
               <a:buFont typeface="Arial" panose="020B0604020202020204" pitchFamily="34" charset="0"/>
               <a:buChar char="•"/>
             </a:pPr>
+            <a:r>
+              <a:rPr lang="en-GB" sz="2000" dirty="0">
+                <a:solidFill>
+                  <a:schemeClr val="bg1"/>
+                </a:solidFill>
+              </a:rPr>
+              <a:t>Happiness: Covid vs. pre-pandemic</a:t>
+            </a:r>
+          </a:p>
+          <a:p>
+            <a:pPr marL="285750" indent="-285750">
+              <a:buFont typeface="Arial" panose="020B0604020202020204" pitchFamily="34" charset="0"/>
+              <a:buChar char="•"/>
+            </a:pPr>
             <a:endParaRPr lang="en-GB" sz="2000" dirty="0">
               <a:solidFill>
                 <a:schemeClr val="bg1"/>
@@ -7144,32 +7155,7 @@
                   <a:schemeClr val="bg1"/>
                 </a:solidFill>
               </a:rPr>
-              <a:t>Present variables in 3 Graphs for each year</a:t>
-            </a:r>
-          </a:p>
-          <a:p>
-            <a:pPr marL="285750" indent="-285750">
-              <a:buFont typeface="Arial" panose="020B0604020202020204" pitchFamily="34" charset="0"/>
-              <a:buChar char="•"/>
-            </a:pPr>
-            <a:endParaRPr lang="en-GB" sz="2000" dirty="0">
-              <a:solidFill>
-                <a:schemeClr val="bg1"/>
-              </a:solidFill>
-            </a:endParaRPr>
-          </a:p>
-          <a:p>
-            <a:pPr marL="285750" indent="-285750">
-              <a:buFont typeface="Arial" panose="020B0604020202020204" pitchFamily="34" charset="0"/>
-              <a:buChar char="•"/>
-            </a:pPr>
-            <a:r>
-              <a:rPr lang="en-GB" sz="2000" dirty="0">
-                <a:solidFill>
-                  <a:schemeClr val="bg1"/>
-                </a:solidFill>
-              </a:rPr>
-              <a:t>Compare Happiness scores to pre-pandemic levels</a:t>
+              <a:t>Present variables in one Graphs per year</a:t>
             </a:r>
           </a:p>
         </p:txBody>
